--- a/Gen AI.pptx
+++ b/Gen AI.pptx
@@ -220,7 +220,7 @@
           <a:p>
             <a:fld id="{FD913024-4032-4B4F-8680-09D5E08EDB6E}" type="datetimeFigureOut">
               <a:rPr lang="en-US" smtClean="0"/>
-              <a:t>11/30/25</a:t>
+              <a:t>12/1/2025</a:t>
             </a:fld>
             <a:endParaRPr lang="en-US" dirty="0"/>
           </a:p>
@@ -397,7 +397,7 @@
           <a:p>
             <a:fld id="{F2AE225E-43E0-7047-8ADB-DD9EBB41B4D0}" type="datetimeFigureOut">
               <a:rPr lang="en-US" noProof="0" smtClean="0"/>
-              <a:t>11/30/25</a:t>
+              <a:t>12/1/2025</a:t>
             </a:fld>
             <a:endParaRPr lang="en-US" noProof="0" dirty="0"/>
           </a:p>
@@ -889,7 +889,7 @@
                 <a16:creationId xmlns:a16="http://schemas.microsoft.com/office/drawing/2014/main" id="{4D792B1F-855B-FC83-1023-94C0976E9848}"/>
               </a:ext>
               <a:ext uri="{C183D7F6-B498-43B3-948B-1728B52AA6E4}">
-                <adec:decorative xmlns:adec="http://schemas.microsoft.com/office/drawing/2017/decorative" val="1"/>
+                <adec:decorative xmlns:adec="http://schemas.microsoft.com/office/drawing/2017/decorative" xmlns="" val="1"/>
               </a:ext>
             </a:extLst>
           </p:cNvPr>
@@ -1091,7 +1091,7 @@
                 <a16:creationId xmlns:a16="http://schemas.microsoft.com/office/drawing/2014/main" id="{EF359D7C-AC03-77FE-CA1D-B96B46B08D16}"/>
               </a:ext>
               <a:ext uri="{C183D7F6-B498-43B3-948B-1728B52AA6E4}">
-                <adec:decorative xmlns:adec="http://schemas.microsoft.com/office/drawing/2017/decorative" val="1"/>
+                <adec:decorative xmlns:adec="http://schemas.microsoft.com/office/drawing/2017/decorative" xmlns="" val="1"/>
               </a:ext>
             </a:extLst>
           </p:cNvPr>
@@ -1421,7 +1421,7 @@
                 <a16:creationId xmlns:a16="http://schemas.microsoft.com/office/drawing/2014/main" id="{C9AA487F-3729-4692-1A21-35558A2D840B}"/>
               </a:ext>
               <a:ext uri="{C183D7F6-B498-43B3-948B-1728B52AA6E4}">
-                <adec:decorative xmlns:adec="http://schemas.microsoft.com/office/drawing/2017/decorative" val="1"/>
+                <adec:decorative xmlns:adec="http://schemas.microsoft.com/office/drawing/2017/decorative" xmlns="" val="1"/>
               </a:ext>
             </a:extLst>
           </p:cNvPr>
@@ -1546,7 +1546,7 @@
                 <a16:creationId xmlns:a16="http://schemas.microsoft.com/office/drawing/2014/main" id="{84B8E19A-569B-855B-EBF8-C02F2998ABC8}"/>
               </a:ext>
               <a:ext uri="{C183D7F6-B498-43B3-948B-1728B52AA6E4}">
-                <adec:decorative xmlns:adec="http://schemas.microsoft.com/office/drawing/2017/decorative" val="1"/>
+                <adec:decorative xmlns:adec="http://schemas.microsoft.com/office/drawing/2017/decorative" xmlns="" val="1"/>
               </a:ext>
             </a:extLst>
           </p:cNvPr>
@@ -4256,7 +4256,7 @@
                 <a16:creationId xmlns:a16="http://schemas.microsoft.com/office/drawing/2014/main" id="{4A781A8E-199F-1F48-C80E-B6501B563323}"/>
               </a:ext>
               <a:ext uri="{C183D7F6-B498-43B3-948B-1728B52AA6E4}">
-                <adec:decorative xmlns:adec="http://schemas.microsoft.com/office/drawing/2017/decorative" val="1"/>
+                <adec:decorative xmlns:adec="http://schemas.microsoft.com/office/drawing/2017/decorative" xmlns="" val="1"/>
               </a:ext>
             </a:extLst>
           </p:cNvPr>
@@ -4380,7 +4380,7 @@
                 <a16:creationId xmlns:a16="http://schemas.microsoft.com/office/drawing/2014/main" id="{11C6679A-1B60-DCCD-7295-255649B92C60}"/>
               </a:ext>
               <a:ext uri="{C183D7F6-B498-43B3-948B-1728B52AA6E4}">
-                <adec:decorative xmlns:adec="http://schemas.microsoft.com/office/drawing/2017/decorative" val="1"/>
+                <adec:decorative xmlns:adec="http://schemas.microsoft.com/office/drawing/2017/decorative" xmlns="" val="1"/>
               </a:ext>
             </a:extLst>
           </p:cNvPr>
@@ -4638,7 +4638,7 @@
                 <a16:creationId xmlns:a16="http://schemas.microsoft.com/office/drawing/2014/main" id="{1C466053-4CA7-4CBB-C1D2-19FE899BEDFC}"/>
               </a:ext>
               <a:ext uri="{C183D7F6-B498-43B3-948B-1728B52AA6E4}">
-                <adec:decorative xmlns:adec="http://schemas.microsoft.com/office/drawing/2017/decorative" val="1"/>
+                <adec:decorative xmlns:adec="http://schemas.microsoft.com/office/drawing/2017/decorative" xmlns="" val="1"/>
               </a:ext>
             </a:extLst>
           </p:cNvPr>
@@ -5657,7 +5657,7 @@
                 <a16:creationId xmlns:a16="http://schemas.microsoft.com/office/drawing/2014/main" id="{1100480F-88D3-CF82-FAF8-9527C86BCAE2}"/>
               </a:ext>
               <a:ext uri="{C183D7F6-B498-43B3-948B-1728B52AA6E4}">
-                <adec:decorative xmlns:adec="http://schemas.microsoft.com/office/drawing/2017/decorative" val="1"/>
+                <adec:decorative xmlns:adec="http://schemas.microsoft.com/office/drawing/2017/decorative" xmlns="" val="1"/>
               </a:ext>
             </a:extLst>
           </p:cNvPr>
@@ -6057,7 +6057,7 @@
                 <a16:creationId xmlns:a16="http://schemas.microsoft.com/office/drawing/2014/main" id="{B05A86D8-26B0-1ADB-0CE2-B445D2A2866D}"/>
               </a:ext>
               <a:ext uri="{C183D7F6-B498-43B3-948B-1728B52AA6E4}">
-                <adec:decorative xmlns:adec="http://schemas.microsoft.com/office/drawing/2017/decorative" val="1"/>
+                <adec:decorative xmlns:adec="http://schemas.microsoft.com/office/drawing/2017/decorative" xmlns="" val="1"/>
               </a:ext>
             </a:extLst>
           </p:cNvPr>
@@ -6190,7 +6190,7 @@
                 <a16:creationId xmlns:a16="http://schemas.microsoft.com/office/drawing/2014/main" id="{33A68E8B-64DF-46D3-2FA2-4BBBBF8BFB15}"/>
               </a:ext>
               <a:ext uri="{C183D7F6-B498-43B3-948B-1728B52AA6E4}">
-                <adec:decorative xmlns:adec="http://schemas.microsoft.com/office/drawing/2017/decorative" val="1"/>
+                <adec:decorative xmlns:adec="http://schemas.microsoft.com/office/drawing/2017/decorative" xmlns="" val="1"/>
               </a:ext>
             </a:extLst>
           </p:cNvPr>
@@ -6829,7 +6829,7 @@
                 <a16:creationId xmlns:a16="http://schemas.microsoft.com/office/drawing/2014/main" id="{CADEA8BB-3550-ABDA-99A6-455084D5D432}"/>
               </a:ext>
               <a:ext uri="{C183D7F6-B498-43B3-948B-1728B52AA6E4}">
-                <adec:decorative xmlns:adec="http://schemas.microsoft.com/office/drawing/2017/decorative" val="1"/>
+                <adec:decorative xmlns:adec="http://schemas.microsoft.com/office/drawing/2017/decorative" xmlns="" val="1"/>
               </a:ext>
             </a:extLst>
           </p:cNvPr>
@@ -7022,7 +7022,7 @@
                 <a16:creationId xmlns:a16="http://schemas.microsoft.com/office/drawing/2014/main" id="{F0A8F0DB-3D3D-DC0F-84AC-4386B58AD6E5}"/>
               </a:ext>
               <a:ext uri="{C183D7F6-B498-43B3-948B-1728B52AA6E4}">
-                <adec:decorative xmlns:adec="http://schemas.microsoft.com/office/drawing/2017/decorative" val="1"/>
+                <adec:decorative xmlns:adec="http://schemas.microsoft.com/office/drawing/2017/decorative" xmlns="" val="1"/>
               </a:ext>
             </a:extLst>
           </p:cNvPr>
@@ -7312,7 +7312,7 @@
                 <a16:creationId xmlns:a16="http://schemas.microsoft.com/office/drawing/2014/main" id="{686C03E6-655F-A394-4461-7BC878C418BB}"/>
               </a:ext>
               <a:ext uri="{C183D7F6-B498-43B3-948B-1728B52AA6E4}">
-                <adec:decorative xmlns:adec="http://schemas.microsoft.com/office/drawing/2017/decorative" val="1"/>
+                <adec:decorative xmlns:adec="http://schemas.microsoft.com/office/drawing/2017/decorative" xmlns="" val="1"/>
               </a:ext>
             </a:extLst>
           </p:cNvPr>
@@ -7476,7 +7476,7 @@
                 <a16:creationId xmlns:a16="http://schemas.microsoft.com/office/drawing/2014/main" id="{BF7A62BA-11D3-585A-8CBD-5E0FB4DE522D}"/>
               </a:ext>
               <a:ext uri="{C183D7F6-B498-43B3-948B-1728B52AA6E4}">
-                <adec:decorative xmlns:adec="http://schemas.microsoft.com/office/drawing/2017/decorative" val="1"/>
+                <adec:decorative xmlns:adec="http://schemas.microsoft.com/office/drawing/2017/decorative" xmlns="" val="1"/>
               </a:ext>
             </a:extLst>
           </p:cNvPr>
@@ -8690,7 +8690,7 @@
                 <a16:creationId xmlns:a16="http://schemas.microsoft.com/office/drawing/2014/main" id="{8E1AE81E-772F-B009-AF15-C0FC060518A7}"/>
               </a:ext>
               <a:ext uri="{C183D7F6-B498-43B3-948B-1728B52AA6E4}">
-                <adec:decorative xmlns:adec="http://schemas.microsoft.com/office/drawing/2017/decorative" val="1"/>
+                <adec:decorative xmlns:adec="http://schemas.microsoft.com/office/drawing/2017/decorative" xmlns="" val="1"/>
               </a:ext>
             </a:extLst>
           </p:cNvPr>
@@ -9198,7 +9198,7 @@
                 <a16:creationId xmlns:a16="http://schemas.microsoft.com/office/drawing/2014/main" id="{ADCC72F6-C144-5508-40C5-E1B3FC085B94}"/>
               </a:ext>
               <a:ext uri="{C183D7F6-B498-43B3-948B-1728B52AA6E4}">
-                <adec:decorative xmlns:adec="http://schemas.microsoft.com/office/drawing/2017/decorative" val="1"/>
+                <adec:decorative xmlns:adec="http://schemas.microsoft.com/office/drawing/2017/decorative" xmlns="" val="1"/>
               </a:ext>
             </a:extLst>
           </p:cNvPr>
@@ -9221,7 +9221,7 @@
                   <a16:creationId xmlns:a16="http://schemas.microsoft.com/office/drawing/2014/main" id="{FF76D2EA-2C6E-B0B2-DC0D-F9EF636E5856}"/>
                 </a:ext>
                 <a:ext uri="{C183D7F6-B498-43B3-948B-1728B52AA6E4}">
-                  <adec:decorative xmlns:adec="http://schemas.microsoft.com/office/drawing/2017/decorative" val="1"/>
+                  <adec:decorative xmlns:adec="http://schemas.microsoft.com/office/drawing/2017/decorative" xmlns="" val="1"/>
                 </a:ext>
               </a:extLst>
             </p:cNvPr>
@@ -9445,7 +9445,7 @@
                   <a16:creationId xmlns:a16="http://schemas.microsoft.com/office/drawing/2014/main" id="{90315871-F40F-D512-8E3F-B40F36BD4224}"/>
                 </a:ext>
                 <a:ext uri="{C183D7F6-B498-43B3-948B-1728B52AA6E4}">
-                  <adec:decorative xmlns:adec="http://schemas.microsoft.com/office/drawing/2017/decorative" val="1"/>
+                  <adec:decorative xmlns:adec="http://schemas.microsoft.com/office/drawing/2017/decorative" xmlns="" val="1"/>
                 </a:ext>
               </a:extLst>
             </p:cNvPr>
@@ -9646,7 +9646,7 @@
                 <a16:creationId xmlns:a16="http://schemas.microsoft.com/office/drawing/2014/main" id="{10C11C1A-EFCF-278A-D083-93F07D4DEA67}"/>
               </a:ext>
               <a:ext uri="{C183D7F6-B498-43B3-948B-1728B52AA6E4}">
-                <adec:decorative xmlns:adec="http://schemas.microsoft.com/office/drawing/2017/decorative" val="1"/>
+                <adec:decorative xmlns:adec="http://schemas.microsoft.com/office/drawing/2017/decorative" xmlns="" val="1"/>
               </a:ext>
             </a:extLst>
           </p:cNvPr>
@@ -10929,7 +10929,7 @@
                 <a16:creationId xmlns:a16="http://schemas.microsoft.com/office/drawing/2014/main" id="{941984E2-3225-05D3-3A3D-9D5F5840ED60}"/>
               </a:ext>
               <a:ext uri="{C183D7F6-B498-43B3-948B-1728B52AA6E4}">
-                <adec:decorative xmlns:adec="http://schemas.microsoft.com/office/drawing/2017/decorative" val="1"/>
+                <adec:decorative xmlns:adec="http://schemas.microsoft.com/office/drawing/2017/decorative" xmlns="" val="1"/>
               </a:ext>
             </a:extLst>
           </p:cNvPr>
@@ -11102,7 +11102,7 @@
                 <a16:creationId xmlns:a16="http://schemas.microsoft.com/office/drawing/2014/main" id="{070813B7-403A-9A3E-5E5C-44C1680DE4C3}"/>
               </a:ext>
               <a:ext uri="{C183D7F6-B498-43B3-948B-1728B52AA6E4}">
-                <adec:decorative xmlns:adec="http://schemas.microsoft.com/office/drawing/2017/decorative" val="1"/>
+                <adec:decorative xmlns:adec="http://schemas.microsoft.com/office/drawing/2017/decorative" xmlns="" val="1"/>
               </a:ext>
             </a:extLst>
           </p:cNvPr>
@@ -12256,7 +12256,7 @@
                 <a16:creationId xmlns:a16="http://schemas.microsoft.com/office/drawing/2014/main" id="{7A7BB3C1-4B05-D5B3-C61C-1CD390CEEF2B}"/>
               </a:ext>
               <a:ext uri="{C183D7F6-B498-43B3-948B-1728B52AA6E4}">
-                <adec:decorative xmlns:adec="http://schemas.microsoft.com/office/drawing/2017/decorative" val="1"/>
+                <adec:decorative xmlns:adec="http://schemas.microsoft.com/office/drawing/2017/decorative" xmlns="" val="1"/>
               </a:ext>
             </a:extLst>
           </p:cNvPr>
@@ -12480,7 +12480,7 @@
                 <a16:creationId xmlns:a16="http://schemas.microsoft.com/office/drawing/2014/main" id="{CE6955A7-F39A-1FBB-FF32-C6F0E3289273}"/>
               </a:ext>
               <a:ext uri="{C183D7F6-B498-43B3-948B-1728B52AA6E4}">
-                <adec:decorative xmlns:adec="http://schemas.microsoft.com/office/drawing/2017/decorative" val="1"/>
+                <adec:decorative xmlns:adec="http://schemas.microsoft.com/office/drawing/2017/decorative" xmlns="" val="1"/>
               </a:ext>
             </a:extLst>
           </p:cNvPr>
@@ -12910,7 +12910,7 @@
                 <a16:creationId xmlns:a16="http://schemas.microsoft.com/office/drawing/2014/main" id="{B5ED90D1-D640-D115-6711-35DE812FC014}"/>
               </a:ext>
               <a:ext uri="{C183D7F6-B498-43B3-948B-1728B52AA6E4}">
-                <adec:decorative xmlns:adec="http://schemas.microsoft.com/office/drawing/2017/decorative" val="1"/>
+                <adec:decorative xmlns:adec="http://schemas.microsoft.com/office/drawing/2017/decorative" xmlns="" val="1"/>
               </a:ext>
             </a:extLst>
           </p:cNvPr>
@@ -12944,7 +12944,7 @@
                 <a16:creationId xmlns:a16="http://schemas.microsoft.com/office/drawing/2014/main" id="{F8D9EAE4-01F5-6C99-C91E-BF0FD0CD1CEF}"/>
               </a:ext>
               <a:ext uri="{C183D7F6-B498-43B3-948B-1728B52AA6E4}">
-                <adec:decorative xmlns:adec="http://schemas.microsoft.com/office/drawing/2017/decorative" val="1"/>
+                <adec:decorative xmlns:adec="http://schemas.microsoft.com/office/drawing/2017/decorative" xmlns="" val="1"/>
               </a:ext>
             </a:extLst>
           </p:cNvPr>
@@ -13387,7 +13387,7 @@
                 <a16:creationId xmlns:a16="http://schemas.microsoft.com/office/drawing/2014/main" id="{D24A04BE-9BA3-80DD-EE68-A8B8BA08532B}"/>
               </a:ext>
               <a:ext uri="{C183D7F6-B498-43B3-948B-1728B52AA6E4}">
-                <adec:decorative xmlns:adec="http://schemas.microsoft.com/office/drawing/2017/decorative" val="1"/>
+                <adec:decorative xmlns:adec="http://schemas.microsoft.com/office/drawing/2017/decorative" xmlns="" val="1"/>
               </a:ext>
             </a:extLst>
           </p:cNvPr>
@@ -13545,7 +13545,7 @@
                 <a16:creationId xmlns:a16="http://schemas.microsoft.com/office/drawing/2014/main" id="{9E4F6A04-3331-D4C7-3EAE-0F69B48A7C71}"/>
               </a:ext>
               <a:ext uri="{C183D7F6-B498-43B3-948B-1728B52AA6E4}">
-                <adec:decorative xmlns:adec="http://schemas.microsoft.com/office/drawing/2017/decorative" val="1"/>
+                <adec:decorative xmlns:adec="http://schemas.microsoft.com/office/drawing/2017/decorative" xmlns="" val="1"/>
               </a:ext>
             </a:extLst>
           </p:cNvPr>
@@ -13729,7 +13729,7 @@
                 <a16:creationId xmlns:a16="http://schemas.microsoft.com/office/drawing/2014/main" id="{0587ACFB-02E0-79F1-D5B0-E8B18598D688}"/>
               </a:ext>
               <a:ext uri="{C183D7F6-B498-43B3-948B-1728B52AA6E4}">
-                <adec:decorative xmlns:adec="http://schemas.microsoft.com/office/drawing/2017/decorative" val="1"/>
+                <adec:decorative xmlns:adec="http://schemas.microsoft.com/office/drawing/2017/decorative" xmlns="" val="1"/>
               </a:ext>
             </a:extLst>
           </p:cNvPr>
@@ -14279,7 +14279,7 @@
                 <a16:creationId xmlns:a16="http://schemas.microsoft.com/office/drawing/2014/main" id="{98639877-C4A6-4E44-C600-FE3C6CD5F187}"/>
               </a:ext>
               <a:ext uri="{C183D7F6-B498-43B3-948B-1728B52AA6E4}">
-                <adec:decorative xmlns:adec="http://schemas.microsoft.com/office/drawing/2017/decorative" val="1"/>
+                <adec:decorative xmlns:adec="http://schemas.microsoft.com/office/drawing/2017/decorative" xmlns="" val="1"/>
               </a:ext>
             </a:extLst>
           </p:cNvPr>
@@ -14302,7 +14302,7 @@
                   <a16:creationId xmlns:a16="http://schemas.microsoft.com/office/drawing/2014/main" id="{F0439AA5-A7EE-A20E-BB67-D356776D0B21}"/>
                 </a:ext>
                 <a:ext uri="{C183D7F6-B498-43B3-948B-1728B52AA6E4}">
-                  <adec:decorative xmlns:adec="http://schemas.microsoft.com/office/drawing/2017/decorative" val="1"/>
+                  <adec:decorative xmlns:adec="http://schemas.microsoft.com/office/drawing/2017/decorative" xmlns="" val="1"/>
                 </a:ext>
               </a:extLst>
             </p:cNvPr>
@@ -14526,7 +14526,7 @@
                   <a16:creationId xmlns:a16="http://schemas.microsoft.com/office/drawing/2014/main" id="{39E752F7-61F0-6779-9E8E-3541BFF7D2CF}"/>
                 </a:ext>
                 <a:ext uri="{C183D7F6-B498-43B3-948B-1728B52AA6E4}">
-                  <adec:decorative xmlns:adec="http://schemas.microsoft.com/office/drawing/2017/decorative" val="1"/>
+                  <adec:decorative xmlns:adec="http://schemas.microsoft.com/office/drawing/2017/decorative" xmlns="" val="1"/>
                 </a:ext>
               </a:extLst>
             </p:cNvPr>
@@ -14764,7 +14764,7 @@
                 <a16:creationId xmlns:a16="http://schemas.microsoft.com/office/drawing/2014/main" id="{6FD0E545-8D0D-B848-836A-23CEBCD6B0A5}"/>
               </a:ext>
               <a:ext uri="{C183D7F6-B498-43B3-948B-1728B52AA6E4}">
-                <adec:decorative xmlns:adec="http://schemas.microsoft.com/office/drawing/2017/decorative" val="1"/>
+                <adec:decorative xmlns:adec="http://schemas.microsoft.com/office/drawing/2017/decorative" xmlns="" val="1"/>
               </a:ext>
             </a:extLst>
           </p:cNvPr>
@@ -14869,7 +14869,7 @@
                 <a16:creationId xmlns:a16="http://schemas.microsoft.com/office/drawing/2014/main" id="{7114E853-6F7C-9899-77FD-0E77D0A86207}"/>
               </a:ext>
               <a:ext uri="{C183D7F6-B498-43B3-948B-1728B52AA6E4}">
-                <adec:decorative xmlns:adec="http://schemas.microsoft.com/office/drawing/2017/decorative" val="1"/>
+                <adec:decorative xmlns:adec="http://schemas.microsoft.com/office/drawing/2017/decorative" xmlns="" val="1"/>
               </a:ext>
             </a:extLst>
           </p:cNvPr>
@@ -15883,7 +15883,7 @@
                 <a16:creationId xmlns:a16="http://schemas.microsoft.com/office/drawing/2014/main" id="{69002426-033B-400A-C519-AF4C659C4F05}"/>
               </a:ext>
               <a:ext uri="{C183D7F6-B498-43B3-948B-1728B52AA6E4}">
-                <adec:decorative xmlns:adec="http://schemas.microsoft.com/office/drawing/2017/decorative" val="1"/>
+                <adec:decorative xmlns:adec="http://schemas.microsoft.com/office/drawing/2017/decorative" xmlns="" val="1"/>
               </a:ext>
             </a:extLst>
           </p:cNvPr>
@@ -16174,7 +16174,7 @@
                 <a16:creationId xmlns:a16="http://schemas.microsoft.com/office/drawing/2014/main" id="{90FA743D-BDB5-4069-7325-E91CA7BC3ED7}"/>
               </a:ext>
               <a:ext uri="{C183D7F6-B498-43B3-948B-1728B52AA6E4}">
-                <adec:decorative xmlns:adec="http://schemas.microsoft.com/office/drawing/2017/decorative" val="1"/>
+                <adec:decorative xmlns:adec="http://schemas.microsoft.com/office/drawing/2017/decorative" xmlns="" val="1"/>
               </a:ext>
             </a:extLst>
           </p:cNvPr>
@@ -16298,7 +16298,7 @@
                 <a16:creationId xmlns:a16="http://schemas.microsoft.com/office/drawing/2014/main" id="{2FE03F25-D589-68A8-30C7-175547B6A9EE}"/>
               </a:ext>
               <a:ext uri="{C183D7F6-B498-43B3-948B-1728B52AA6E4}">
-                <adec:decorative xmlns:adec="http://schemas.microsoft.com/office/drawing/2017/decorative" val="1"/>
+                <adec:decorative xmlns:adec="http://schemas.microsoft.com/office/drawing/2017/decorative" xmlns="" val="1"/>
               </a:ext>
             </a:extLst>
           </p:cNvPr>
@@ -18611,7 +18611,7 @@
                 <a16:creationId xmlns:a16="http://schemas.microsoft.com/office/drawing/2014/main" id="{7CB19B63-2AAF-E86D-D7F1-B659DB36B5AC}"/>
               </a:ext>
               <a:ext uri="{C183D7F6-B498-43B3-948B-1728B52AA6E4}">
-                <adec:decorative xmlns:adec="http://schemas.microsoft.com/office/drawing/2017/decorative" val="1"/>
+                <adec:decorative xmlns:adec="http://schemas.microsoft.com/office/drawing/2017/decorative" xmlns="" val="1"/>
               </a:ext>
             </a:extLst>
           </p:cNvPr>
@@ -18625,7 +18625,7 @@
             <a:alphaModFix/>
             <a:extLst>
               <a:ext uri="{96DAC541-7B7A-43D3-8B79-37D633B846F1}">
-                <asvg:svgBlip xmlns:asvg="http://schemas.microsoft.com/office/drawing/2016/SVG/main" r:embed="rId3"/>
+                <asvg:svgBlip xmlns:asvg="http://schemas.microsoft.com/office/drawing/2016/SVG/main" xmlns="" r:embed="rId3"/>
               </a:ext>
             </a:extLst>
           </a:blip>
@@ -18695,7 +18695,7 @@
                 <a16:creationId xmlns:a16="http://schemas.microsoft.com/office/drawing/2014/main" id="{83712F38-4391-A499-56E2-8F095A506D08}"/>
               </a:ext>
               <a:ext uri="{C183D7F6-B498-43B3-948B-1728B52AA6E4}">
-                <adec:decorative xmlns:adec="http://schemas.microsoft.com/office/drawing/2017/decorative" val="1"/>
+                <adec:decorative xmlns:adec="http://schemas.microsoft.com/office/drawing/2017/decorative" xmlns="" val="1"/>
               </a:ext>
             </a:extLst>
           </p:cNvPr>
@@ -20284,7 +20284,7 @@
                 <a16:creationId xmlns:a16="http://schemas.microsoft.com/office/drawing/2014/main" id="{A3F1B258-8FBC-06A8-3A1F-466CEEDBBEF2}"/>
               </a:ext>
               <a:ext uri="{C183D7F6-B498-43B3-948B-1728B52AA6E4}">
-                <adec:decorative xmlns:adec="http://schemas.microsoft.com/office/drawing/2017/decorative" val="1"/>
+                <adec:decorative xmlns:adec="http://schemas.microsoft.com/office/drawing/2017/decorative" xmlns="" val="1"/>
               </a:ext>
             </a:extLst>
           </p:cNvPr>
@@ -21220,7 +21220,7 @@
                 <a16:creationId xmlns:a16="http://schemas.microsoft.com/office/drawing/2014/main" id="{8BAD4AF0-64CE-5C0E-5440-00F8FC6B3194}"/>
               </a:ext>
               <a:ext uri="{C183D7F6-B498-43B3-948B-1728B52AA6E4}">
-                <adec:decorative xmlns:adec="http://schemas.microsoft.com/office/drawing/2017/decorative" val="1"/>
+                <adec:decorative xmlns:adec="http://schemas.microsoft.com/office/drawing/2017/decorative" xmlns="" val="1"/>
               </a:ext>
             </a:extLst>
           </p:cNvPr>
@@ -21485,7 +21485,7 @@
                 <a16:creationId xmlns:a16="http://schemas.microsoft.com/office/drawing/2014/main" id="{7DCD020E-88CF-303D-F947-8EE980AC8093}"/>
               </a:ext>
               <a:ext uri="{C183D7F6-B498-43B3-948B-1728B52AA6E4}">
-                <adec:decorative xmlns:adec="http://schemas.microsoft.com/office/drawing/2017/decorative" val="1"/>
+                <adec:decorative xmlns:adec="http://schemas.microsoft.com/office/drawing/2017/decorative" xmlns="" val="1"/>
               </a:ext>
             </a:extLst>
           </p:cNvPr>
@@ -23858,7 +23858,7 @@
                 <a16:creationId xmlns:a16="http://schemas.microsoft.com/office/drawing/2014/main" id="{EB31668E-263B-8FB1-9DBB-25F22BB441B3}"/>
               </a:ext>
               <a:ext uri="{C183D7F6-B498-43B3-948B-1728B52AA6E4}">
-                <adec:decorative xmlns:adec="http://schemas.microsoft.com/office/drawing/2017/decorative" val="1"/>
+                <adec:decorative xmlns:adec="http://schemas.microsoft.com/office/drawing/2017/decorative" xmlns="" val="1"/>
               </a:ext>
             </a:extLst>
           </p:cNvPr>
@@ -23973,7 +23973,7 @@
                 <a16:creationId xmlns:a16="http://schemas.microsoft.com/office/drawing/2014/main" id="{0972DA96-A413-EF87-50D3-D8EF54FD9F55}"/>
               </a:ext>
               <a:ext uri="{C183D7F6-B498-43B3-948B-1728B52AA6E4}">
-                <adec:decorative xmlns:adec="http://schemas.microsoft.com/office/drawing/2017/decorative" val="1"/>
+                <adec:decorative xmlns:adec="http://schemas.microsoft.com/office/drawing/2017/decorative" xmlns="" val="1"/>
               </a:ext>
             </a:extLst>
           </p:cNvPr>
@@ -26823,6 +26823,15 @@
               </a:rPr>
               <a:t>Detection of Potentially Dangerous Objects for a Child in a Room</a:t>
             </a:r>
+            <a:r>
+              <a:rPr lang="en-IL" sz="2600" kern="100" dirty="0">
+                <a:effectLst/>
+                <a:latin typeface="Aptos" panose="020B0004020202020204" pitchFamily="34" charset="0"/>
+                <a:ea typeface="Times New Roman" panose="02020603050405020304" pitchFamily="18" charset="0"/>
+                <a:cs typeface="Times New Roman" panose="02020603050405020304" pitchFamily="18" charset="0"/>
+              </a:rPr>
+              <a:t/>
+            </a:r>
             <a:br>
               <a:rPr lang="en-IL" sz="2600" kern="100" dirty="0">
                 <a:effectLst/>
@@ -27041,6 +27050,13 @@
                 <a:latin typeface="UICTFontTextStyleBody"/>
               </a:rPr>
               <a:t>Motivation &amp; use case</a:t>
+            </a:r>
+            <a:r>
+              <a:rPr lang="en-US" dirty="0">
+                <a:effectLst/>
+                <a:latin typeface=".AppleSystemUIFont"/>
+              </a:rPr>
+              <a:t/>
             </a:r>
             <a:br>
               <a:rPr lang="en-US" dirty="0">
@@ -27946,6 +27962,13 @@
             <a:pPr marL="0" indent="0">
               <a:buNone/>
             </a:pPr>
+            <a:r>
+              <a:rPr lang="en-US" sz="4800" dirty="0">
+                <a:latin typeface="Abel" panose="02000506030000020004" pitchFamily="2" charset="0"/>
+                <a:cs typeface="Arial" panose="020B0604020202020204" pitchFamily="34" charset="0"/>
+              </a:rPr>
+              <a:t/>
+            </a:r>
             <a:br>
               <a:rPr lang="en-US" sz="4800" dirty="0">
                 <a:latin typeface="Abel" panose="02000506030000020004" pitchFamily="2" charset="0"/>
@@ -28016,6 +28039,13 @@
             <a:pPr marL="0" indent="0">
               <a:buNone/>
             </a:pPr>
+            <a:r>
+              <a:rPr lang="en-US" sz="4800" dirty="0">
+                <a:latin typeface="Arial" panose="020B0604020202020204" pitchFamily="34" charset="0"/>
+                <a:cs typeface="Arial" panose="020B0604020202020204" pitchFamily="34" charset="0"/>
+              </a:rPr>
+              <a:t/>
+            </a:r>
             <a:br>
               <a:rPr lang="en-US" sz="4800" dirty="0">
                 <a:latin typeface="Arial" panose="020B0604020202020204" pitchFamily="34" charset="0"/>
@@ -28183,6 +28213,66 @@
           </a:p>
         </p:txBody>
       </p:sp>
+      <p:pic>
+        <p:nvPicPr>
+          <p:cNvPr id="5" name="תמונה 4"/>
+          <p:cNvPicPr>
+            <a:picLocks noChangeAspect="1"/>
+          </p:cNvPicPr>
+          <p:nvPr/>
+        </p:nvPicPr>
+        <p:blipFill>
+          <a:blip r:embed="rId2">
+            <a:extLst>
+              <a:ext uri="{28A0092B-C50C-407E-A947-70E740481C1C}">
+                <a14:useLocalDpi xmlns:a14="http://schemas.microsoft.com/office/drawing/2010/main" val="0"/>
+              </a:ext>
+            </a:extLst>
+          </a:blip>
+          <a:stretch>
+            <a:fillRect/>
+          </a:stretch>
+        </p:blipFill>
+        <p:spPr>
+          <a:xfrm>
+            <a:off x="9151426" y="2043118"/>
+            <a:ext cx="2710061" cy="2715695"/>
+          </a:xfrm>
+          <a:prstGeom prst="rect">
+            <a:avLst/>
+          </a:prstGeom>
+        </p:spPr>
+      </p:pic>
+      <p:pic>
+        <p:nvPicPr>
+          <p:cNvPr id="6" name="תמונה 5"/>
+          <p:cNvPicPr>
+            <a:picLocks noChangeAspect="1"/>
+          </p:cNvPicPr>
+          <p:nvPr/>
+        </p:nvPicPr>
+        <p:blipFill>
+          <a:blip r:embed="rId3">
+            <a:extLst>
+              <a:ext uri="{28A0092B-C50C-407E-A947-70E740481C1C}">
+                <a14:useLocalDpi xmlns:a14="http://schemas.microsoft.com/office/drawing/2010/main" val="0"/>
+              </a:ext>
+            </a:extLst>
+          </a:blip>
+          <a:stretch>
+            <a:fillRect/>
+          </a:stretch>
+        </p:blipFill>
+        <p:spPr>
+          <a:xfrm>
+            <a:off x="6460676" y="3720121"/>
+            <a:ext cx="2690750" cy="2696344"/>
+          </a:xfrm>
+          <a:prstGeom prst="rect">
+            <a:avLst/>
+          </a:prstGeom>
+        </p:spPr>
+      </p:pic>
     </p:spTree>
     <p:extLst>
       <p:ext uri="{BB962C8B-B14F-4D97-AF65-F5344CB8AC3E}">
@@ -28303,6 +28393,10 @@
             <a:pPr marL="0" indent="0">
               <a:buNone/>
             </a:pPr>
+            <a:r>
+              <a:rPr lang="en-US" sz="4800" dirty="0"/>
+              <a:t/>
+            </a:r>
             <a:br>
               <a:rPr lang="en-US" sz="4800" dirty="0"/>
             </a:br>
@@ -28352,6 +28446,10 @@
             <a:pPr marL="0" indent="0">
               <a:buNone/>
             </a:pPr>
+            <a:r>
+              <a:rPr lang="en-US" sz="4800" dirty="0"/>
+              <a:t/>
+            </a:r>
             <a:br>
               <a:rPr lang="en-US" sz="4800" dirty="0"/>
             </a:br>
@@ -29320,15 +29418,6 @@
 </file>
 
 <file path=customXml/item1.xml><?xml version="1.0" encoding="utf-8"?>
-<?mso-contentType ?>
-<FormTemplates xmlns="http://schemas.microsoft.com/sharepoint/v3/contenttype/forms">
-  <Display>DocumentLibraryForm</Display>
-  <Edit>DocumentLibraryForm</Edit>
-  <New>DocumentLibraryForm</New>
-</FormTemplates>
-</file>
-
-<file path=customXml/item2.xml><?xml version="1.0" encoding="utf-8"?>
 <p:properties xmlns:p="http://schemas.microsoft.com/office/2006/metadata/properties" xmlns:xsi="http://www.w3.org/2001/XMLSchema-instance" xmlns:pc="http://schemas.microsoft.com/office/infopath/2007/PartnerControls">
   <documentManagement>
     <_ip_UnifiedCompliancePolicyUIAction xmlns="http://schemas.microsoft.com/sharepoint/v3" xsi:nil="true"/>
@@ -29346,6 +29435,15 @@
     <MediaServiceKeyPoints xmlns="71af3243-3dd4-4a8d-8c0d-dd76da1f02a5" xsi:nil="true"/>
   </documentManagement>
 </p:properties>
+</file>
+
+<file path=customXml/item2.xml><?xml version="1.0" encoding="utf-8"?>
+<?mso-contentType ?>
+<FormTemplates xmlns="http://schemas.microsoft.com/sharepoint/v3/contenttype/forms">
+  <Display>DocumentLibraryForm</Display>
+  <Edit>DocumentLibraryForm</Edit>
+  <New>DocumentLibraryForm</New>
+</FormTemplates>
 </file>
 
 <file path=customXml/item3.xml><?xml version="1.0" encoding="utf-8"?>
@@ -29661,23 +29759,28 @@
 </file>
 
 <file path=customXml/itemProps1.xml><?xml version="1.0" encoding="utf-8"?>
-<ds:datastoreItem xmlns:ds="http://schemas.openxmlformats.org/officeDocument/2006/customXml" ds:itemID="{1249AD37-9510-4A2D-B790-12C439A83F93}">
+<ds:datastoreItem xmlns:ds="http://schemas.openxmlformats.org/officeDocument/2006/customXml" ds:itemID="{85DF9CEC-52C2-4D14-B2F5-11176002A8B6}">
   <ds:schemaRefs>
-    <ds:schemaRef ds:uri="http://schemas.microsoft.com/sharepoint/v3/contenttype/forms"/>
+    <ds:schemaRef ds:uri="http://purl.org/dc/elements/1.1/"/>
+    <ds:schemaRef ds:uri="230e9df3-be65-4c73-a93b-d1236ebd677e"/>
+    <ds:schemaRef ds:uri="http://schemas.microsoft.com/office/2006/metadata/properties"/>
+    <ds:schemaRef ds:uri="http://purl.org/dc/terms/"/>
+    <ds:schemaRef ds:uri="16c05727-aa75-4e4a-9b5f-8a80a1165891"/>
+    <ds:schemaRef ds:uri="http://schemas.microsoft.com/sharepoint/v3"/>
+    <ds:schemaRef ds:uri="http://schemas.microsoft.com/office/2006/documentManagement/types"/>
+    <ds:schemaRef ds:uri="http://schemas.microsoft.com/office/infopath/2007/PartnerControls"/>
+    <ds:schemaRef ds:uri="http://schemas.openxmlformats.org/package/2006/metadata/core-properties"/>
+    <ds:schemaRef ds:uri="71af3243-3dd4-4a8d-8c0d-dd76da1f02a5"/>
+    <ds:schemaRef ds:uri="http://www.w3.org/XML/1998/namespace"/>
+    <ds:schemaRef ds:uri="http://purl.org/dc/dcmitype/"/>
   </ds:schemaRefs>
 </ds:datastoreItem>
 </file>
 
 <file path=customXml/itemProps2.xml><?xml version="1.0" encoding="utf-8"?>
-<ds:datastoreItem xmlns:ds="http://schemas.openxmlformats.org/officeDocument/2006/customXml" ds:itemID="{85DF9CEC-52C2-4D14-B2F5-11176002A8B6}">
+<ds:datastoreItem xmlns:ds="http://schemas.openxmlformats.org/officeDocument/2006/customXml" ds:itemID="{1249AD37-9510-4A2D-B790-12C439A83F93}">
   <ds:schemaRefs>
-    <ds:schemaRef ds:uri="http://schemas.microsoft.com/office/2006/metadata/properties"/>
-    <ds:schemaRef ds:uri="http://www.w3.org/2000/xmlns/"/>
-    <ds:schemaRef ds:uri="http://schemas.microsoft.com/sharepoint/v3"/>
-    <ds:schemaRef ds:uri="http://www.w3.org/2001/XMLSchema-instance"/>
-    <ds:schemaRef ds:uri="71af3243-3dd4-4a8d-8c0d-dd76da1f02a5"/>
-    <ds:schemaRef ds:uri="http://schemas.microsoft.com/office/infopath/2007/PartnerControls"/>
-    <ds:schemaRef ds:uri="230e9df3-be65-4c73-a93b-d1236ebd677e"/>
+    <ds:schemaRef ds:uri="http://schemas.microsoft.com/sharepoint/v3/contenttype/forms"/>
   </ds:schemaRefs>
 </ds:datastoreItem>
 </file>
@@ -29693,6 +29796,13 @@
     <ds:schemaRef ds:uri="71af3243-3dd4-4a8d-8c0d-dd76da1f02a5"/>
     <ds:schemaRef ds:uri="16c05727-aa75-4e4a-9b5f-8a80a1165891"/>
     <ds:schemaRef ds:uri="230e9df3-be65-4c73-a93b-d1236ebd677e"/>
+    <ds:schemaRef ds:uri="http://schemas.microsoft.com/office/2006/metadata/properties"/>
+    <ds:schemaRef ds:uri="http://schemas.microsoft.com/office/2006/documentManagement/types"/>
+    <ds:schemaRef ds:uri="http://schemas.microsoft.com/office/infopath/2007/PartnerControls"/>
+    <ds:schemaRef ds:uri="http://schemas.openxmlformats.org/package/2006/metadata/core-properties"/>
+    <ds:schemaRef ds:uri="http://purl.org/dc/elements/1.1/"/>
+    <ds:schemaRef ds:uri="http://purl.org/dc/terms/"/>
+    <ds:schemaRef ds:uri="http://schemas.microsoft.com/internal/obd"/>
   </ds:schemaRefs>
 </ds:datastoreItem>
 </file>
